--- a/temp/cover-ppt.pptx
+++ b/temp/cover-ppt.pptx
@@ -104,6 +104,11 @@
       </a:defRPr>
     </a:lvl9pPr>
   </p:defaultTextStyle>
+  <p:extLst>
+    <p:ext uri="{EFAFB233-063F-42B5-8137-9DF3F51BA10A}">
+      <p15:sldGuideLst xmlns:p15="http://schemas.microsoft.com/office/powerpoint/2012/main"/>
+    </p:ext>
+  </p:extLst>
 </p:presentation>
 </file>
 
@@ -2986,7 +2991,7 @@
           <a:graphicData uri="http://schemas.openxmlformats.org/presentationml/2006/ole">
             <mc:AlternateContent xmlns:mc="http://schemas.openxmlformats.org/markup-compatibility/2006">
               <mc:Choice xmlns:v="urn:schemas-microsoft-com:vml" Requires="v">
-                <p:oleObj spid="_x0000_s1056" name="PhotoImpact" r:id="rId3" imgW="6633000" imgH="4263120" progId="PI3.Image">
+                <p:oleObj spid="_x0000_s1062" name="PhotoImpact" r:id="rId3" imgW="6633000" imgH="4263120" progId="PI3.Image">
                   <p:embed/>
                 </p:oleObj>
               </mc:Choice>
@@ -3117,15 +3122,19 @@
           <a:p>
             <a:r>
               <a:rPr lang="en-US" sz="1200" dirty="0" smtClean="0"/>
-              <a:t>A Scottish ex-pat living in America, Walker </a:t>
-            </a:r>
-            <a:r>
-              <a:rPr lang="en-US" sz="1200" dirty="0" err="1" smtClean="0"/>
-              <a:t>Boh</a:t>
+              <a:t>A Scottish ex-pat living in America, </a:t>
+            </a:r>
+            <a:r>
+              <a:rPr lang="en-US" sz="1200"/>
+              <a:t>Walker </a:t>
+            </a:r>
+            <a:r>
+              <a:rPr lang="en-US" sz="1200" smtClean="0"/>
+              <a:t>Aldridge is </a:t>
             </a:r>
             <a:r>
               <a:rPr lang="en-US" sz="1200" dirty="0" smtClean="0"/>
-              <a:t> is an avid programmer, Commodore 64 enthusiast, swordsman and dog lover who generously donated his time and expertise to this project. Thank you!</a:t>
+              <a:t>an avid programmer, Commodore 64 enthusiast, swordsman and dog lover who generously donated his time and expertise to this project. Thank you!</a:t>
             </a:r>
             <a:endParaRPr lang="en-US" sz="1200" dirty="0"/>
           </a:p>
@@ -3153,7 +3162,7 @@
           <a:graphicData uri="http://schemas.openxmlformats.org/presentationml/2006/ole">
             <mc:AlternateContent xmlns:mc="http://schemas.openxmlformats.org/markup-compatibility/2006">
               <mc:Choice xmlns:v="urn:schemas-microsoft-com:vml" Requires="v">
-                <p:oleObj spid="_x0000_s1057" name="PhotoImpact" r:id="rId5" imgW="3314520" imgH="3314520" progId="PI3.Image">
+                <p:oleObj spid="_x0000_s1063" name="PhotoImpact" r:id="rId5" imgW="3314520" imgH="3314520" progId="PI3.Image">
                   <p:embed/>
                 </p:oleObj>
               </mc:Choice>
@@ -3220,15 +3229,7 @@
             </a:r>
             <a:r>
               <a:rPr lang="en-US" sz="1200" dirty="0" smtClean="0"/>
-              <a:t>, and I’d like to introduce the team of amazing editors, subject matter experts and friends who helped </a:t>
-            </a:r>
-            <a:r>
-              <a:rPr lang="en-US" sz="1200" dirty="0" smtClean="0"/>
-              <a:t>build what many </a:t>
-            </a:r>
-            <a:r>
-              <a:rPr lang="en-US" sz="1200" dirty="0" smtClean="0"/>
-              <a:t>consider to be the definitive guide to Scrum Master certification. </a:t>
+              <a:t>, and I’d like to introduce the team of amazing editors, subject matter experts and friends who helped build what many consider to be the definitive guide to Scrum Master certification. </a:t>
             </a:r>
             <a:endParaRPr lang="en-US" sz="1200" dirty="0"/>
           </a:p>
@@ -3256,7 +3257,7 @@
           <a:graphicData uri="http://schemas.openxmlformats.org/presentationml/2006/ole">
             <mc:AlternateContent xmlns:mc="http://schemas.openxmlformats.org/markup-compatibility/2006">
               <mc:Choice xmlns:v="urn:schemas-microsoft-com:vml" Requires="v">
-                <p:oleObj spid="_x0000_s1058" name="PhotoImpact" r:id="rId7" imgW="3047760" imgH="3047760" progId="PI3.Image">
+                <p:oleObj spid="_x0000_s1064" name="PhotoImpact" r:id="rId7" imgW="3047760" imgH="3047760" progId="PI3.Image">
                   <p:embed/>
                 </p:oleObj>
               </mc:Choice>
@@ -3313,7 +3314,7 @@
           <a:graphicData uri="http://schemas.openxmlformats.org/presentationml/2006/ole">
             <mc:AlternateContent xmlns:mc="http://schemas.openxmlformats.org/markup-compatibility/2006">
               <mc:Choice xmlns:v="urn:schemas-microsoft-com:vml" Requires="v">
-                <p:oleObj spid="_x0000_s1059" name="PhotoImpact" r:id="rId9" imgW="914400" imgH="914400" progId="PI3.Image">
+                <p:oleObj spid="_x0000_s1065" name="PhotoImpact" r:id="rId9" imgW="914400" imgH="914400" progId="PI3.Image">
                   <p:embed/>
                 </p:oleObj>
               </mc:Choice>
@@ -3443,7 +3444,7 @@
           <a:graphicData uri="http://schemas.openxmlformats.org/presentationml/2006/ole">
             <mc:AlternateContent xmlns:mc="http://schemas.openxmlformats.org/markup-compatibility/2006">
               <mc:Choice xmlns:v="urn:schemas-microsoft-com:vml" Requires="v">
-                <p:oleObj spid="_x0000_s1060" name="PhotoImpact" r:id="rId11" imgW="914400" imgH="914400" progId="PI3.Image">
+                <p:oleObj spid="_x0000_s1066" name="PhotoImpact" r:id="rId11" imgW="914400" imgH="914400" progId="PI3.Image">
                   <p:embed/>
                 </p:oleObj>
               </mc:Choice>
@@ -3546,7 +3547,7 @@
           <a:graphicData uri="http://schemas.openxmlformats.org/presentationml/2006/ole">
             <mc:AlternateContent xmlns:mc="http://schemas.openxmlformats.org/markup-compatibility/2006">
               <mc:Choice xmlns:v="urn:schemas-microsoft-com:vml" Requires="v">
-                <p:oleObj spid="_x0000_s1061" name="PhotoImpact" r:id="rId13" imgW="1600200" imgH="914400" progId="PI3.Image">
+                <p:oleObj spid="_x0000_s1067" name="PhotoImpact" r:id="rId13" imgW="1600200" imgH="914400" progId="PI3.Image">
                   <p:embed/>
                 </p:oleObj>
               </mc:Choice>
